--- a/jeng/Capstone 2 Docs/Chapters/Fadriquela Presentation.pptx
+++ b/jeng/Capstone 2 Docs/Chapters/Fadriquela Presentation.pptx
@@ -228,7 +228,7 @@
           <a:p>
             <a:fld id="{826EC260-7348-472F-8ED2-D71AD8C48C71}" type="datetimeFigureOut">
               <a:rPr lang="en-US" smtClean="0"/>
-              <a:t>3/31/2022</a:t>
+              <a:t>4/2/2022</a:t>
             </a:fld>
             <a:endParaRPr lang="en-US"/>
           </a:p>
@@ -1231,7 +1231,7 @@
           <a:p>
             <a:fld id="{C5BA072B-F001-4735-A65F-A4D26EDE5BA0}" type="datetimeFigureOut">
               <a:rPr lang="en-US" smtClean="0"/>
-              <a:t>3/31/2022</a:t>
+              <a:t>4/2/2022</a:t>
             </a:fld>
             <a:endParaRPr lang="en-US"/>
           </a:p>
@@ -1565,7 +1565,7 @@
           <a:p>
             <a:fld id="{C5BA072B-F001-4735-A65F-A4D26EDE5BA0}" type="datetimeFigureOut">
               <a:rPr lang="en-US" smtClean="0"/>
-              <a:t>3/31/2022</a:t>
+              <a:t>4/2/2022</a:t>
             </a:fld>
             <a:endParaRPr lang="en-US"/>
           </a:p>
@@ -1843,7 +1843,7 @@
           <a:p>
             <a:fld id="{C5BA072B-F001-4735-A65F-A4D26EDE5BA0}" type="datetimeFigureOut">
               <a:rPr lang="en-US" smtClean="0"/>
-              <a:t>3/31/2022</a:t>
+              <a:t>4/2/2022</a:t>
             </a:fld>
             <a:endParaRPr lang="en-US"/>
           </a:p>
@@ -2411,7 +2411,7 @@
           <a:p>
             <a:fld id="{C5BA072B-F001-4735-A65F-A4D26EDE5BA0}" type="datetimeFigureOut">
               <a:rPr lang="en-US" smtClean="0"/>
-              <a:t>3/31/2022</a:t>
+              <a:t>4/2/2022</a:t>
             </a:fld>
             <a:endParaRPr lang="en-US"/>
           </a:p>
@@ -2689,7 +2689,7 @@
           <a:p>
             <a:fld id="{C5BA072B-F001-4735-A65F-A4D26EDE5BA0}" type="datetimeFigureOut">
               <a:rPr lang="en-US" smtClean="0"/>
-              <a:t>3/31/2022</a:t>
+              <a:t>4/2/2022</a:t>
             </a:fld>
             <a:endParaRPr lang="en-US"/>
           </a:p>
@@ -3251,7 +3251,7 @@
           <a:p>
             <a:fld id="{C5BA072B-F001-4735-A65F-A4D26EDE5BA0}" type="datetimeFigureOut">
               <a:rPr lang="en-US" smtClean="0"/>
-              <a:t>3/31/2022</a:t>
+              <a:t>4/2/2022</a:t>
             </a:fld>
             <a:endParaRPr lang="en-US"/>
           </a:p>
@@ -3578,7 +3578,7 @@
           <a:p>
             <a:fld id="{C5BA072B-F001-4735-A65F-A4D26EDE5BA0}" type="datetimeFigureOut">
               <a:rPr lang="en-US" smtClean="0"/>
-              <a:t>3/31/2022</a:t>
+              <a:t>4/2/2022</a:t>
             </a:fld>
             <a:endParaRPr lang="en-US"/>
           </a:p>
@@ -3755,7 +3755,7 @@
           <a:p>
             <a:fld id="{C5BA072B-F001-4735-A65F-A4D26EDE5BA0}" type="datetimeFigureOut">
               <a:rPr lang="en-US" smtClean="0"/>
-              <a:t>3/31/2022</a:t>
+              <a:t>4/2/2022</a:t>
             </a:fld>
             <a:endParaRPr lang="en-US"/>
           </a:p>
@@ -3993,7 +3993,7 @@
           <a:p>
             <a:fld id="{C5BA072B-F001-4735-A65F-A4D26EDE5BA0}" type="datetimeFigureOut">
               <a:rPr lang="en-US" smtClean="0"/>
-              <a:t>3/31/2022</a:t>
+              <a:t>4/2/2022</a:t>
             </a:fld>
             <a:endParaRPr lang="en-US"/>
           </a:p>
@@ -4193,7 +4193,7 @@
           <a:p>
             <a:fld id="{C5BA072B-F001-4735-A65F-A4D26EDE5BA0}" type="datetimeFigureOut">
               <a:rPr lang="en-US" smtClean="0"/>
-              <a:t>3/31/2022</a:t>
+              <a:t>4/2/2022</a:t>
             </a:fld>
             <a:endParaRPr lang="en-US"/>
           </a:p>
@@ -4469,7 +4469,7 @@
           <a:p>
             <a:fld id="{C5BA072B-F001-4735-A65F-A4D26EDE5BA0}" type="datetimeFigureOut">
               <a:rPr lang="en-US" smtClean="0"/>
-              <a:t>3/31/2022</a:t>
+              <a:t>4/2/2022</a:t>
             </a:fld>
             <a:endParaRPr lang="en-US"/>
           </a:p>
@@ -4735,7 +4735,7 @@
           <a:p>
             <a:fld id="{C5BA072B-F001-4735-A65F-A4D26EDE5BA0}" type="datetimeFigureOut">
               <a:rPr lang="en-US" smtClean="0"/>
-              <a:t>3/31/2022</a:t>
+              <a:t>4/2/2022</a:t>
             </a:fld>
             <a:endParaRPr lang="en-US"/>
           </a:p>
@@ -5109,7 +5109,7 @@
           <a:p>
             <a:fld id="{C5BA072B-F001-4735-A65F-A4D26EDE5BA0}" type="datetimeFigureOut">
               <a:rPr lang="en-US" smtClean="0"/>
-              <a:t>3/31/2022</a:t>
+              <a:t>4/2/2022</a:t>
             </a:fld>
             <a:endParaRPr lang="en-US"/>
           </a:p>
@@ -5257,7 +5257,7 @@
           <a:p>
             <a:fld id="{C5BA072B-F001-4735-A65F-A4D26EDE5BA0}" type="datetimeFigureOut">
               <a:rPr lang="en-US" smtClean="0"/>
-              <a:t>3/31/2022</a:t>
+              <a:t>4/2/2022</a:t>
             </a:fld>
             <a:endParaRPr lang="en-US"/>
           </a:p>
@@ -5382,7 +5382,7 @@
           <a:p>
             <a:fld id="{C5BA072B-F001-4735-A65F-A4D26EDE5BA0}" type="datetimeFigureOut">
               <a:rPr lang="en-US" smtClean="0"/>
-              <a:t>3/31/2022</a:t>
+              <a:t>4/2/2022</a:t>
             </a:fld>
             <a:endParaRPr lang="en-US"/>
           </a:p>
@@ -5667,7 +5667,7 @@
           <a:p>
             <a:fld id="{C5BA072B-F001-4735-A65F-A4D26EDE5BA0}" type="datetimeFigureOut">
               <a:rPr lang="en-US" smtClean="0"/>
-              <a:t>3/31/2022</a:t>
+              <a:t>4/2/2022</a:t>
             </a:fld>
             <a:endParaRPr lang="en-US"/>
           </a:p>
@@ -5991,7 +5991,7 @@
           <a:p>
             <a:fld id="{C5BA072B-F001-4735-A65F-A4D26EDE5BA0}" type="datetimeFigureOut">
               <a:rPr lang="en-US" smtClean="0"/>
-              <a:t>3/31/2022</a:t>
+              <a:t>4/2/2022</a:t>
             </a:fld>
             <a:endParaRPr lang="en-US"/>
           </a:p>
@@ -6205,7 +6205,7 @@
           <a:p>
             <a:fld id="{C5BA072B-F001-4735-A65F-A4D26EDE5BA0}" type="datetimeFigureOut">
               <a:rPr lang="en-US" smtClean="0"/>
-              <a:t>3/31/2022</a:t>
+              <a:t>4/2/2022</a:t>
             </a:fld>
             <a:endParaRPr lang="en-US"/>
           </a:p>
@@ -6777,13 +6777,8 @@
           <a:p>
             <a:r>
               <a:rPr lang="en-US" dirty="0"/>
-              <a:t>Jennifer </a:t>
-            </a:r>
-            <a:r>
-              <a:rPr lang="en-US" dirty="0" err="1"/>
-              <a:t>fadriquela</a:t>
-            </a:r>
-            <a:endParaRPr lang="en-US" dirty="0"/>
+              <a:t>Jennifer fadriquela</a:t>
+            </a:r>
           </a:p>
         </p:txBody>
       </p:sp>
